--- a/D3 Poster Presentation.pptx
+++ b/D3 Poster Presentation.pptx
@@ -236,7 +236,7 @@
             <a:fld id="{E6CC2317-6751-4CD4-9995-8782DD78E936}" type="datetimeFigureOut">
               <a:rPr lang="en-US" smtClean="0"/>
               <a:pPr/>
-              <a:t>10/18/2020</a:t>
+              <a:t>11/5/2020</a:t>
             </a:fld>
             <a:endParaRPr lang="en-US" dirty="0"/>
           </a:p>
@@ -33665,8 +33665,8 @@
         </p:nvSpPr>
         <p:spPr>
           <a:xfrm>
-            <a:off x="564124" y="1450656"/>
-            <a:ext cx="26486876" cy="598230"/>
+            <a:off x="203200" y="1450656"/>
+            <a:ext cx="26847800" cy="1075736"/>
           </a:xfrm>
         </p:spPr>
         <p:txBody>
@@ -33719,7 +33719,7 @@
               <a:rPr lang="en-US" sz="4000" dirty="0">
                 <a:latin typeface="Muli"/>
               </a:rPr>
-              <a:t> (201845002)</a:t>
+              <a:t> (201845004)</a:t>
             </a:r>
           </a:p>
         </p:txBody>
